--- a/Supermarket Sales Analysis in Python/Supermarket Sales Analysis Presentation.pptx
+++ b/Supermarket Sales Analysis in Python/Supermarket Sales Analysis Presentation.pptx
@@ -773,7 +773,7 @@
           <a:p>
             <a:fld id="{C128FA71-3A18-48C0-980F-4B68F7F63042}" type="datetime1">
               <a:rPr lang="en-US" smtClean="0"/>
-              <a:t>4/18/2025</a:t>
+              <a:t>5/31/2025</a:t>
             </a:fld>
             <a:endParaRPr lang="en-US"/>
           </a:p>
@@ -981,7 +981,7 @@
           <a:p>
             <a:fld id="{7104EDB3-C0E8-45F8-9E1D-1B6C8D1880C0}" type="datetime1">
               <a:rPr lang="en-US" smtClean="0"/>
-              <a:t>4/18/2025</a:t>
+              <a:t>5/31/2025</a:t>
             </a:fld>
             <a:endParaRPr lang="en-US"/>
           </a:p>
@@ -1191,7 +1191,7 @@
           <a:p>
             <a:fld id="{9CF0EC4B-54ED-4041-B552-9BA760FA3DBA}" type="datetime1">
               <a:rPr lang="en-US" smtClean="0"/>
-              <a:t>4/18/2025</a:t>
+              <a:t>5/31/2025</a:t>
             </a:fld>
             <a:endParaRPr lang="en-US"/>
           </a:p>
@@ -1389,7 +1389,7 @@
           <a:p>
             <a:fld id="{51C1210E-201E-4473-82AC-2466F5386C38}" type="datetime1">
               <a:rPr lang="en-US" smtClean="0"/>
-              <a:t>4/18/2025</a:t>
+              <a:t>5/31/2025</a:t>
             </a:fld>
             <a:endParaRPr lang="en-US"/>
           </a:p>
@@ -1667,7 +1667,7 @@
           <a:p>
             <a:fld id="{B01EA198-6CAB-4B8F-B93F-1F9C8C4B6CE7}" type="datetime1">
               <a:rPr lang="en-US" smtClean="0"/>
-              <a:t>4/18/2025</a:t>
+              <a:t>5/31/2025</a:t>
             </a:fld>
             <a:endParaRPr lang="en-US"/>
           </a:p>
@@ -1939,7 +1939,7 @@
           <a:p>
             <a:fld id="{CA06041F-4525-44D5-AA4F-332294BF1F56}" type="datetime1">
               <a:rPr lang="en-US" smtClean="0"/>
-              <a:t>4/18/2025</a:t>
+              <a:t>5/31/2025</a:t>
             </a:fld>
             <a:endParaRPr lang="en-US"/>
           </a:p>
@@ -2363,7 +2363,7 @@
           <a:p>
             <a:fld id="{F9557091-BBDF-4EB9-BA6B-2BB67AC4FC0F}" type="datetime1">
               <a:rPr lang="en-US" smtClean="0"/>
-              <a:t>4/18/2025</a:t>
+              <a:t>5/31/2025</a:t>
             </a:fld>
             <a:endParaRPr lang="en-US"/>
           </a:p>
@@ -2504,7 +2504,7 @@
           <a:p>
             <a:fld id="{2D6B226B-77A6-410C-9796-083F278E0125}" type="datetime1">
               <a:rPr lang="en-US" smtClean="0"/>
-              <a:t>4/18/2025</a:t>
+              <a:t>5/31/2025</a:t>
             </a:fld>
             <a:endParaRPr lang="en-US"/>
           </a:p>
@@ -2617,7 +2617,7 @@
           <a:p>
             <a:fld id="{A23A578B-D289-4C40-8593-3D356C49DA58}" type="datetime1">
               <a:rPr lang="en-US" smtClean="0"/>
-              <a:t>4/18/2025</a:t>
+              <a:t>5/31/2025</a:t>
             </a:fld>
             <a:endParaRPr lang="en-US"/>
           </a:p>
@@ -2936,7 +2936,7 @@
           <a:p>
             <a:fld id="{713DFAE3-14DB-48A7-A80F-80DDB072CE3D}" type="datetime1">
               <a:rPr lang="en-US" smtClean="0"/>
-              <a:t>4/18/2025</a:t>
+              <a:t>5/31/2025</a:t>
             </a:fld>
             <a:endParaRPr lang="en-US"/>
           </a:p>
@@ -3230,7 +3230,7 @@
           <a:p>
             <a:fld id="{92C5EAEF-6478-4102-8F5D-A5FE9FC97ACB}" type="datetime1">
               <a:rPr lang="en-US" smtClean="0"/>
-              <a:t>4/18/2025</a:t>
+              <a:t>5/31/2025</a:t>
             </a:fld>
             <a:endParaRPr lang="en-US"/>
           </a:p>
@@ -3471,7 +3471,7 @@
           <a:p>
             <a:fld id="{67F45AC6-C491-4585-A584-9CE2AF7D5500}" type="datetime1">
               <a:rPr lang="en-US" smtClean="0"/>
-              <a:t>4/18/2025</a:t>
+              <a:t>5/31/2025</a:t>
             </a:fld>
             <a:endParaRPr lang="en-US"/>
           </a:p>
@@ -10740,7 +10740,7 @@
         <p:spPr>
           <a:xfrm>
             <a:off x="510074" y="1635260"/>
-            <a:ext cx="3348297" cy="2241755"/>
+            <a:ext cx="3509665" cy="2241755"/>
           </a:xfrm>
         </p:spPr>
         <p:txBody>
@@ -11762,8 +11762,8 @@
           </a:extLst>
         </p:spPr>
       </p:pic>
-      <mc:AlternateContent xmlns:mc="http://schemas.openxmlformats.org/markup-compatibility/2006">
-        <mc:Choice xmlns:p14="http://schemas.microsoft.com/office/powerpoint/2010/main" Requires="p14">
+      <mc:AlternateContent xmlns:mc="http://schemas.openxmlformats.org/markup-compatibility/2006" xmlns:p14="http://schemas.microsoft.com/office/powerpoint/2010/main">
+        <mc:Choice Requires="p14">
           <p:contentPart p14:bwMode="auto" r:id="rId3">
             <p14:nvContentPartPr>
               <p14:cNvPr id="4" name="Ink 3">
@@ -11782,7 +11782,7 @@
             </p14:xfrm>
           </p:contentPart>
         </mc:Choice>
-        <mc:Fallback>
+        <mc:Fallback xmlns="">
           <p:pic>
             <p:nvPicPr>
               <p:cNvPr id="4" name="Ink 3">
@@ -12281,8 +12281,8 @@
           </a:extLst>
         </p:spPr>
       </p:pic>
-      <mc:AlternateContent xmlns:mc="http://schemas.openxmlformats.org/markup-compatibility/2006">
-        <mc:Choice xmlns:p14="http://schemas.microsoft.com/office/powerpoint/2010/main" Requires="p14">
+      <mc:AlternateContent xmlns:mc="http://schemas.openxmlformats.org/markup-compatibility/2006" xmlns:p14="http://schemas.microsoft.com/office/powerpoint/2010/main">
+        <mc:Choice Requires="p14">
           <p:contentPart p14:bwMode="auto" r:id="rId10">
             <p14:nvContentPartPr>
               <p14:cNvPr id="3" name="Ink 2">
@@ -12301,7 +12301,7 @@
             </p14:xfrm>
           </p:contentPart>
         </mc:Choice>
-        <mc:Fallback>
+        <mc:Fallback xmlns="">
           <p:pic>
             <p:nvPicPr>
               <p:cNvPr id="3" name="Ink 2">
